--- a/Documentation/Deploying Paas Cloud Goat - version_2024-05.pptx
+++ b/Documentation/Deploying Paas Cloud Goat - version_2024-05.pptx
@@ -267,7 +267,7 @@
           <a:p>
             <a:fld id="{5020767B-DFF9-4F8B-A38C-089CF4EFC93E}" type="datetimeFigureOut">
               <a:rPr lang="en-US" smtClean="0"/>
-              <a:t>5/1/2024</a:t>
+              <a:t>6/7/2024</a:t>
             </a:fld>
             <a:endParaRPr lang="en-US"/>
           </a:p>
@@ -465,7 +465,7 @@
           <a:p>
             <a:fld id="{5020767B-DFF9-4F8B-A38C-089CF4EFC93E}" type="datetimeFigureOut">
               <a:rPr lang="en-US" smtClean="0"/>
-              <a:t>5/1/2024</a:t>
+              <a:t>6/7/2024</a:t>
             </a:fld>
             <a:endParaRPr lang="en-US"/>
           </a:p>
@@ -673,7 +673,7 @@
           <a:p>
             <a:fld id="{5020767B-DFF9-4F8B-A38C-089CF4EFC93E}" type="datetimeFigureOut">
               <a:rPr lang="en-US" smtClean="0"/>
-              <a:t>5/1/2024</a:t>
+              <a:t>6/7/2024</a:t>
             </a:fld>
             <a:endParaRPr lang="en-US"/>
           </a:p>
@@ -871,7 +871,7 @@
           <a:p>
             <a:fld id="{5020767B-DFF9-4F8B-A38C-089CF4EFC93E}" type="datetimeFigureOut">
               <a:rPr lang="en-US" smtClean="0"/>
-              <a:t>5/1/2024</a:t>
+              <a:t>6/7/2024</a:t>
             </a:fld>
             <a:endParaRPr lang="en-US"/>
           </a:p>
@@ -1146,7 +1146,7 @@
           <a:p>
             <a:fld id="{5020767B-DFF9-4F8B-A38C-089CF4EFC93E}" type="datetimeFigureOut">
               <a:rPr lang="en-US" smtClean="0"/>
-              <a:t>5/1/2024</a:t>
+              <a:t>6/7/2024</a:t>
             </a:fld>
             <a:endParaRPr lang="en-US"/>
           </a:p>
@@ -1411,7 +1411,7 @@
           <a:p>
             <a:fld id="{5020767B-DFF9-4F8B-A38C-089CF4EFC93E}" type="datetimeFigureOut">
               <a:rPr lang="en-US" smtClean="0"/>
-              <a:t>5/1/2024</a:t>
+              <a:t>6/7/2024</a:t>
             </a:fld>
             <a:endParaRPr lang="en-US"/>
           </a:p>
@@ -1823,7 +1823,7 @@
           <a:p>
             <a:fld id="{5020767B-DFF9-4F8B-A38C-089CF4EFC93E}" type="datetimeFigureOut">
               <a:rPr lang="en-US" smtClean="0"/>
-              <a:t>5/1/2024</a:t>
+              <a:t>6/7/2024</a:t>
             </a:fld>
             <a:endParaRPr lang="en-US"/>
           </a:p>
@@ -1964,7 +1964,7 @@
           <a:p>
             <a:fld id="{5020767B-DFF9-4F8B-A38C-089CF4EFC93E}" type="datetimeFigureOut">
               <a:rPr lang="en-US" smtClean="0"/>
-              <a:t>5/1/2024</a:t>
+              <a:t>6/7/2024</a:t>
             </a:fld>
             <a:endParaRPr lang="en-US"/>
           </a:p>
@@ -2077,7 +2077,7 @@
           <a:p>
             <a:fld id="{5020767B-DFF9-4F8B-A38C-089CF4EFC93E}" type="datetimeFigureOut">
               <a:rPr lang="en-US" smtClean="0"/>
-              <a:t>5/1/2024</a:t>
+              <a:t>6/7/2024</a:t>
             </a:fld>
             <a:endParaRPr lang="en-US"/>
           </a:p>
@@ -2388,7 +2388,7 @@
           <a:p>
             <a:fld id="{5020767B-DFF9-4F8B-A38C-089CF4EFC93E}" type="datetimeFigureOut">
               <a:rPr lang="en-US" smtClean="0"/>
-              <a:t>5/1/2024</a:t>
+              <a:t>6/7/2024</a:t>
             </a:fld>
             <a:endParaRPr lang="en-US"/>
           </a:p>
@@ -2676,7 +2676,7 @@
           <a:p>
             <a:fld id="{5020767B-DFF9-4F8B-A38C-089CF4EFC93E}" type="datetimeFigureOut">
               <a:rPr lang="en-US" smtClean="0"/>
-              <a:t>5/1/2024</a:t>
+              <a:t>6/7/2024</a:t>
             </a:fld>
             <a:endParaRPr lang="en-US"/>
           </a:p>
@@ -2917,7 +2917,7 @@
           <a:p>
             <a:fld id="{5020767B-DFF9-4F8B-A38C-089CF4EFC93E}" type="datetimeFigureOut">
               <a:rPr lang="en-US" smtClean="0"/>
-              <a:t>5/1/2024</a:t>
+              <a:t>6/7/2024</a:t>
             </a:fld>
             <a:endParaRPr lang="en-US"/>
           </a:p>
@@ -3392,10 +3392,9 @@
           <a:lstStyle/>
           <a:p>
             <a:r>
-              <a:rPr lang="en-US"/>
-              <a:t>Version 2024-05</a:t>
-            </a:r>
-            <a:endParaRPr lang="en-US" dirty="0"/>
+              <a:rPr lang="en-US" dirty="0"/>
+              <a:t>Version 2024-06</a:t>
+            </a:r>
           </a:p>
         </p:txBody>
       </p:sp>
@@ -3873,11 +3872,11 @@
               <a:buNone/>
             </a:pPr>
             <a:r>
-              <a:rPr lang="en-US" sz="2400" dirty="0" err="1">
+              <a:rPr lang="en-US" sz="2400">
                 <a:latin typeface="Courier New" panose="02070309020205020404" pitchFamily="49" charset="0"/>
                 <a:cs typeface="Courier New" panose="02070309020205020404" pitchFamily="49" charset="0"/>
               </a:rPr>
-              <a:t>sdfx</a:t>
+              <a:t>sfdx</a:t>
             </a:r>
             <a:r>
               <a:rPr lang="en-US" sz="2400" dirty="0">

--- a/Documentation/Deploying Paas Cloud Goat - version_2024-05.pptx
+++ b/Documentation/Deploying Paas Cloud Goat - version_2024-05.pptx
@@ -3872,7 +3872,7 @@
               <a:buNone/>
             </a:pPr>
             <a:r>
-              <a:rPr lang="en-US" sz="2400">
+              <a:rPr lang="en-US" sz="2400" dirty="0" err="1">
                 <a:latin typeface="Courier New" panose="02070309020205020404" pitchFamily="49" charset="0"/>
                 <a:cs typeface="Courier New" panose="02070309020205020404" pitchFamily="49" charset="0"/>
               </a:rPr>
@@ -3897,8 +3897,19 @@
                 <a:latin typeface="Courier New" panose="02070309020205020404" pitchFamily="49" charset="0"/>
                 <a:cs typeface="Courier New" panose="02070309020205020404" pitchFamily="49" charset="0"/>
               </a:rPr>
-              <a:t> -p force-app\main\default</a:t>
-            </a:r>
+              <a:t> -p force-app</a:t>
+            </a:r>
+            <a:r>
+              <a:rPr lang="en-US" sz="2400">
+                <a:latin typeface="Courier New" panose="02070309020205020404" pitchFamily="49" charset="0"/>
+                <a:cs typeface="Courier New" panose="02070309020205020404" pitchFamily="49" charset="0"/>
+              </a:rPr>
+              <a:t>\main</a:t>
+            </a:r>
+            <a:endParaRPr lang="en-US" sz="2400" dirty="0">
+              <a:latin typeface="Courier New" panose="02070309020205020404" pitchFamily="49" charset="0"/>
+              <a:cs typeface="Courier New" panose="02070309020205020404" pitchFamily="49" charset="0"/>
+            </a:endParaRPr>
           </a:p>
         </p:txBody>
       </p:sp>
